--- a/Documents/Slides/Identity-Database.pptx
+++ b/Documents/Slides/Identity-Database.pptx
@@ -219,7 +219,7 @@
           <a:p>
             <a:fld id="{B5922E6D-3451-482A-A64F-C89F139BA51A}" type="datetimeFigureOut">
               <a:rPr lang="en-US" smtClean="0"/>
-              <a:t>11/21/2014</a:t>
+              <a:t>11/24/2014</a:t>
             </a:fld>
             <a:endParaRPr lang="en-US"/>
           </a:p>
@@ -384,7 +384,7 @@
           <a:p>
             <a:fld id="{05247E74-41DE-40FA-A7A7-A655366ADCFA}" type="datetimeFigureOut">
               <a:rPr lang="sv-SE" smtClean="0"/>
-              <a:t>2014-11-21</a:t>
+              <a:t>2014-11-24</a:t>
             </a:fld>
             <a:endParaRPr lang="sv-SE"/>
           </a:p>
@@ -848,7 +848,7 @@
           <a:p>
             <a:fld id="{DB41BBF1-8D56-4061-8DE2-461FDAC177EF}" type="datetimeFigureOut">
               <a:rPr lang="sv-SE" smtClean="0"/>
-              <a:t>2014-11-21</a:t>
+              <a:t>2014-11-24</a:t>
             </a:fld>
             <a:endParaRPr lang="sv-SE"/>
           </a:p>
@@ -1112,7 +1112,7 @@
           <a:p>
             <a:fld id="{DB41BBF1-8D56-4061-8DE2-461FDAC177EF}" type="datetimeFigureOut">
               <a:rPr lang="sv-SE" smtClean="0"/>
-              <a:t>2014-11-21</a:t>
+              <a:t>2014-11-24</a:t>
             </a:fld>
             <a:endParaRPr lang="sv-SE"/>
           </a:p>
@@ -1289,7 +1289,7 @@
           <a:p>
             <a:fld id="{DB41BBF1-8D56-4061-8DE2-461FDAC177EF}" type="datetimeFigureOut">
               <a:rPr lang="sv-SE" smtClean="0"/>
-              <a:t>2014-11-21</a:t>
+              <a:t>2014-11-24</a:t>
             </a:fld>
             <a:endParaRPr lang="sv-SE"/>
           </a:p>
@@ -1476,7 +1476,7 @@
           <a:p>
             <a:fld id="{DB41BBF1-8D56-4061-8DE2-461FDAC177EF}" type="datetimeFigureOut">
               <a:rPr lang="sv-SE" smtClean="0"/>
-              <a:t>2014-11-21</a:t>
+              <a:t>2014-11-24</a:t>
             </a:fld>
             <a:endParaRPr lang="sv-SE"/>
           </a:p>
@@ -1740,7 +1740,7 @@
           <a:p>
             <a:fld id="{DB41BBF1-8D56-4061-8DE2-461FDAC177EF}" type="datetimeFigureOut">
               <a:rPr lang="sv-SE" smtClean="0"/>
-              <a:t>2014-11-21</a:t>
+              <a:t>2014-11-24</a:t>
             </a:fld>
             <a:endParaRPr lang="sv-SE"/>
           </a:p>
@@ -1917,7 +1917,7 @@
           <a:p>
             <a:fld id="{DB41BBF1-8D56-4061-8DE2-461FDAC177EF}" type="datetimeFigureOut">
               <a:rPr lang="sv-SE" smtClean="0"/>
-              <a:t>2014-11-21</a:t>
+              <a:t>2014-11-24</a:t>
             </a:fld>
             <a:endParaRPr lang="sv-SE"/>
           </a:p>
@@ -2170,7 +2170,7 @@
           <a:p>
             <a:fld id="{DB41BBF1-8D56-4061-8DE2-461FDAC177EF}" type="datetimeFigureOut">
               <a:rPr lang="sv-SE" smtClean="0"/>
-              <a:t>2014-11-21</a:t>
+              <a:t>2014-11-24</a:t>
             </a:fld>
             <a:endParaRPr lang="sv-SE"/>
           </a:p>
@@ -2465,7 +2465,7 @@
           <a:p>
             <a:fld id="{DB41BBF1-8D56-4061-8DE2-461FDAC177EF}" type="datetimeFigureOut">
               <a:rPr lang="sv-SE" smtClean="0"/>
-              <a:t>2014-11-21</a:t>
+              <a:t>2014-11-24</a:t>
             </a:fld>
             <a:endParaRPr lang="sv-SE"/>
           </a:p>
@@ -2894,7 +2894,7 @@
           <a:p>
             <a:fld id="{DB41BBF1-8D56-4061-8DE2-461FDAC177EF}" type="datetimeFigureOut">
               <a:rPr lang="sv-SE" smtClean="0"/>
-              <a:t>2014-11-21</a:t>
+              <a:t>2014-11-24</a:t>
             </a:fld>
             <a:endParaRPr lang="sv-SE"/>
           </a:p>
@@ -3019,7 +3019,7 @@
           <a:p>
             <a:fld id="{DB41BBF1-8D56-4061-8DE2-461FDAC177EF}" type="datetimeFigureOut">
               <a:rPr lang="sv-SE" smtClean="0"/>
-              <a:t>2014-11-21</a:t>
+              <a:t>2014-11-24</a:t>
             </a:fld>
             <a:endParaRPr lang="sv-SE"/>
           </a:p>
@@ -3121,7 +3121,7 @@
           <a:p>
             <a:fld id="{DB41BBF1-8D56-4061-8DE2-461FDAC177EF}" type="datetimeFigureOut">
               <a:rPr lang="sv-SE" smtClean="0"/>
-              <a:t>2014-11-21</a:t>
+              <a:t>2014-11-24</a:t>
             </a:fld>
             <a:endParaRPr lang="sv-SE"/>
           </a:p>
@@ -3405,7 +3405,7 @@
           <a:p>
             <a:fld id="{DB41BBF1-8D56-4061-8DE2-461FDAC177EF}" type="datetimeFigureOut">
               <a:rPr lang="sv-SE" smtClean="0"/>
-              <a:t>2014-11-21</a:t>
+              <a:t>2014-11-24</a:t>
             </a:fld>
             <a:endParaRPr lang="sv-SE"/>
           </a:p>
@@ -3633,7 +3633,7 @@
           <a:p>
             <a:fld id="{DB41BBF1-8D56-4061-8DE2-461FDAC177EF}" type="datetimeFigureOut">
               <a:rPr lang="sv-SE" smtClean="0"/>
-              <a:t>2014-11-21</a:t>
+              <a:t>2014-11-24</a:t>
             </a:fld>
             <a:endParaRPr lang="sv-SE"/>
           </a:p>
@@ -5507,7 +5507,7 @@
         <p:spPr>
           <a:xfrm>
             <a:off x="179511" y="1600200"/>
-            <a:ext cx="8784977" cy="4525963"/>
+            <a:ext cx="8856985" cy="4525963"/>
           </a:xfrm>
         </p:spPr>
         <p:txBody>
@@ -5539,13 +5539,26 @@
           <a:p>
             <a:r>
               <a:rPr lang="en-US" sz="2400" dirty="0" smtClean="0"/>
-              <a:t>A GUID is a globally unique, randomly generated ,128-bit integer id</a:t>
-            </a:r>
-          </a:p>
-          <a:p>
+              <a:t>A GUID is a globally unique, randomly generated ,128-bit integer </a:t>
+            </a:r>
             <a:r>
               <a:rPr lang="en-US" sz="2400" dirty="0" smtClean="0"/>
-              <a:t>Globally unique means that there is a very low chance of duplication</a:t>
+              <a:t>ID</a:t>
+            </a:r>
+            <a:endParaRPr lang="en-US" sz="2400" dirty="0" smtClean="0"/>
+          </a:p>
+          <a:p>
+            <a:r>
+              <a:rPr lang="en-US" sz="2400" dirty="0"/>
+              <a:t>L</a:t>
+            </a:r>
+            <a:r>
+              <a:rPr lang="en-US" sz="2400" dirty="0" smtClean="0"/>
+              <a:t>ow </a:t>
+            </a:r>
+            <a:r>
+              <a:rPr lang="en-US" sz="2400" dirty="0" smtClean="0"/>
+              <a:t>chance of duplication</a:t>
             </a:r>
           </a:p>
           <a:p>
@@ -5630,6 +5643,13 @@
   <p:clrMapOvr>
     <a:masterClrMapping/>
   </p:clrMapOvr>
+  <p:timing>
+    <p:tnLst>
+      <p:par>
+        <p:cTn id="1" dur="indefinite" restart="never" nodeType="tmRoot"/>
+      </p:par>
+    </p:tnLst>
+  </p:timing>
 </p:sld>
 </file>
 
@@ -5748,6 +5768,13 @@
   <p:clrMapOvr>
     <a:masterClrMapping/>
   </p:clrMapOvr>
+  <p:timing>
+    <p:tnLst>
+      <p:par>
+        <p:cTn id="1" dur="indefinite" restart="never" nodeType="tmRoot"/>
+      </p:par>
+    </p:tnLst>
+  </p:timing>
 </p:sld>
 </file>
 
@@ -6489,19 +6516,13 @@
             </a:pPr>
             <a:r>
               <a:rPr lang="en-US" dirty="0" smtClean="0"/>
-              <a:t>Table used to store external logins</a:t>
-            </a:r>
-          </a:p>
-          <a:p>
-            <a:pPr marL="285750" indent="-285750">
-              <a:buFont typeface="Arial" panose="020B0604020202020204" pitchFamily="34" charset="0"/>
-              <a:buChar char="•"/>
-            </a:pPr>
+              <a:t>Table used to store </a:t>
+            </a:r>
             <a:r>
               <a:rPr lang="en-US" dirty="0" smtClean="0"/>
-              <a:t>Empty by default …</a:t>
-            </a:r>
-            <a:endParaRPr lang="en-US" dirty="0"/>
+              <a:t>users using external logins</a:t>
+            </a:r>
+            <a:endParaRPr lang="en-US" dirty="0" smtClean="0"/>
           </a:p>
         </p:txBody>
       </p:sp>
@@ -6788,7 +6809,7 @@
         <p:spPr>
           <a:xfrm>
             <a:off x="6012160" y="1700808"/>
-            <a:ext cx="2952328" cy="923330"/>
+            <a:ext cx="2952328" cy="646331"/>
           </a:xfrm>
           <a:prstGeom prst="rect">
             <a:avLst/>
@@ -6815,13 +6836,6 @@
               <a:buFont typeface="Arial" panose="020B0604020202020204" pitchFamily="34" charset="0"/>
               <a:buChar char="•"/>
             </a:pPr>
-            <a:endParaRPr lang="en-US" dirty="0"/>
-          </a:p>
-          <a:p>
-            <a:r>
-              <a:rPr lang="en-US" dirty="0" smtClean="0"/>
-              <a:t>… dummy data </a:t>
-            </a:r>
             <a:endParaRPr lang="en-US" dirty="0"/>
           </a:p>
         </p:txBody>
@@ -6896,7 +6910,7 @@
             <p:ph idx="1"/>
             <p:extLst>
               <p:ext uri="{D42A27DB-BD31-4B8C-83A1-F6EECF244321}">
-                <p14:modId xmlns:p14="http://schemas.microsoft.com/office/powerpoint/2010/main" val="4048077276"/>
+                <p14:modId xmlns:p14="http://schemas.microsoft.com/office/powerpoint/2010/main" val="2898090215"/>
               </p:ext>
             </p:extLst>
           </p:nvPr>
@@ -7052,10 +7066,6 @@
                     <a:bodyPr/>
                     <a:lstStyle/>
                     <a:p>
-                      <a:r>
-                        <a:rPr lang="en-US" dirty="0" smtClean="0"/>
-                        <a:t>?</a:t>
-                      </a:r>
                       <a:endParaRPr lang="en-US" dirty="0"/>
                     </a:p>
                   </a:txBody>
